--- a/课件/生成函数 mjt.pptx
+++ b/课件/生成函数 mjt.pptx
@@ -138,7 +138,18 @@
   </p:defaultTextStyle>
   <p:extLst>
     <p:ext uri="{EFAFB233-063F-42B5-8137-9DF3F51BA10A}">
-      <p15:sldGuideLst xmlns:p15="http://schemas.microsoft.com/office/powerpoint/2012/main" xmlns=""/>
+      <p15:sldGuideLst xmlns:p15="http://schemas.microsoft.com/office/powerpoint/2012/main">
+        <p15:guide id="1" orient="horz" pos="2160">
+          <p15:clr>
+            <a:srgbClr val="A4A3A4"/>
+          </p15:clr>
+        </p15:guide>
+        <p15:guide id="2" pos="3840">
+          <p15:clr>
+            <a:srgbClr val="A4A3A4"/>
+          </p15:clr>
+        </p15:guide>
+      </p15:sldGuideLst>
     </p:ext>
   </p:extLst>
 </p:presentation>
@@ -287,7 +298,7 @@
             <a:fld id="{895060BE-5323-4ADD-AD19-A99A82CD361D}" type="datetimeFigureOut">
               <a:rPr lang="zh-CN" altLang="en-US" smtClean="0"/>
               <a:pPr/>
-              <a:t>2018-6-9</a:t>
+              <a:t>2022/1/3</a:t>
             </a:fld>
             <a:endParaRPr lang="zh-CN" altLang="en-US"/>
           </a:p>
@@ -454,7 +465,7 @@
             <a:fld id="{895060BE-5323-4ADD-AD19-A99A82CD361D}" type="datetimeFigureOut">
               <a:rPr lang="zh-CN" altLang="en-US" smtClean="0"/>
               <a:pPr/>
-              <a:t>2018-6-9</a:t>
+              <a:t>2022/1/3</a:t>
             </a:fld>
             <a:endParaRPr lang="zh-CN" altLang="en-US"/>
           </a:p>
@@ -631,7 +642,7 @@
             <a:fld id="{895060BE-5323-4ADD-AD19-A99A82CD361D}" type="datetimeFigureOut">
               <a:rPr lang="zh-CN" altLang="en-US" smtClean="0"/>
               <a:pPr/>
-              <a:t>2018-6-9</a:t>
+              <a:t>2022/1/3</a:t>
             </a:fld>
             <a:endParaRPr lang="zh-CN" altLang="en-US"/>
           </a:p>
@@ -731,7 +742,7 @@
             <a:blip r:embed="rId2">
               <a:extLst>
                 <a:ext uri="{28A0092B-C50C-407E-A947-70E740481C1C}">
-                  <a14:useLocalDpi xmlns:a14="http://schemas.microsoft.com/office/drawing/2010/main" xmlns="" val="0"/>
+                  <a14:useLocalDpi xmlns:a14="http://schemas.microsoft.com/office/drawing/2010/main" val="0"/>
                 </a:ext>
               </a:extLst>
             </a:blip>
@@ -795,7 +806,7 @@
             <a:blip r:embed="rId3">
               <a:extLst>
                 <a:ext uri="{28A0092B-C50C-407E-A947-70E740481C1C}">
-                  <a14:useLocalDpi xmlns:a14="http://schemas.microsoft.com/office/drawing/2010/main" xmlns="" val="0"/>
+                  <a14:useLocalDpi xmlns:a14="http://schemas.microsoft.com/office/drawing/2010/main" val="0"/>
                 </a:ext>
               </a:extLst>
             </a:blip>
@@ -826,7 +837,7 @@
             <a:blip r:embed="rId3">
               <a:extLst>
                 <a:ext uri="{28A0092B-C50C-407E-A947-70E740481C1C}">
-                  <a14:useLocalDpi xmlns:a14="http://schemas.microsoft.com/office/drawing/2010/main" xmlns="" val="0"/>
+                  <a14:useLocalDpi xmlns:a14="http://schemas.microsoft.com/office/drawing/2010/main" val="0"/>
                 </a:ext>
               </a:extLst>
             </a:blip>
@@ -1024,7 +1035,7 @@
             <a:fld id="{895060BE-5323-4ADD-AD19-A99A82CD361D}" type="datetimeFigureOut">
               <a:rPr lang="zh-CN" altLang="en-US" smtClean="0"/>
               <a:pPr/>
-              <a:t>2018-6-9</a:t>
+              <a:t>2022/1/3</a:t>
             </a:fld>
             <a:endParaRPr lang="zh-CN" altLang="en-US"/>
           </a:p>
@@ -1262,7 +1273,7 @@
             <a:fld id="{895060BE-5323-4ADD-AD19-A99A82CD361D}" type="datetimeFigureOut">
               <a:rPr lang="zh-CN" altLang="en-US" smtClean="0"/>
               <a:pPr/>
-              <a:t>2018-6-9</a:t>
+              <a:t>2022/1/3</a:t>
             </a:fld>
             <a:endParaRPr lang="zh-CN" altLang="en-US"/>
           </a:p>
@@ -1507,7 +1518,7 @@
             <a:fld id="{895060BE-5323-4ADD-AD19-A99A82CD361D}" type="datetimeFigureOut">
               <a:rPr lang="zh-CN" altLang="en-US" smtClean="0"/>
               <a:pPr/>
-              <a:t>2018-6-9</a:t>
+              <a:t>2022/1/3</a:t>
             </a:fld>
             <a:endParaRPr lang="zh-CN" altLang="en-US"/>
           </a:p>
@@ -1802,7 +1813,7 @@
             <a:fld id="{895060BE-5323-4ADD-AD19-A99A82CD361D}" type="datetimeFigureOut">
               <a:rPr lang="zh-CN" altLang="en-US" smtClean="0"/>
               <a:pPr/>
-              <a:t>2018-6-9</a:t>
+              <a:t>2022/1/3</a:t>
             </a:fld>
             <a:endParaRPr lang="zh-CN" altLang="en-US"/>
           </a:p>
@@ -2193,7 +2204,7 @@
             <a:fld id="{895060BE-5323-4ADD-AD19-A99A82CD361D}" type="datetimeFigureOut">
               <a:rPr lang="zh-CN" altLang="en-US" smtClean="0"/>
               <a:pPr/>
-              <a:t>2018-6-9</a:t>
+              <a:t>2022/1/3</a:t>
             </a:fld>
             <a:endParaRPr lang="zh-CN" altLang="en-US"/>
           </a:p>
@@ -2339,7 +2350,7 @@
             <a:fld id="{895060BE-5323-4ADD-AD19-A99A82CD361D}" type="datetimeFigureOut">
               <a:rPr lang="zh-CN" altLang="en-US" smtClean="0"/>
               <a:pPr/>
-              <a:t>2018-6-9</a:t>
+              <a:t>2022/1/3</a:t>
             </a:fld>
             <a:endParaRPr lang="zh-CN" altLang="en-US"/>
           </a:p>
@@ -2462,7 +2473,7 @@
             <a:fld id="{895060BE-5323-4ADD-AD19-A99A82CD361D}" type="datetimeFigureOut">
               <a:rPr lang="zh-CN" altLang="en-US" smtClean="0"/>
               <a:pPr/>
-              <a:t>2018-6-9</a:t>
+              <a:t>2022/1/3</a:t>
             </a:fld>
             <a:endParaRPr lang="zh-CN" altLang="en-US"/>
           </a:p>
@@ -2714,7 +2725,7 @@
             <a:fld id="{895060BE-5323-4ADD-AD19-A99A82CD361D}" type="datetimeFigureOut">
               <a:rPr lang="zh-CN" altLang="en-US" smtClean="0"/>
               <a:pPr/>
-              <a:t>2018-6-9</a:t>
+              <a:t>2022/1/3</a:t>
             </a:fld>
             <a:endParaRPr lang="zh-CN" altLang="en-US"/>
           </a:p>
@@ -2912,7 +2923,7 @@
             <a:fld id="{895060BE-5323-4ADD-AD19-A99A82CD361D}" type="datetimeFigureOut">
               <a:rPr lang="zh-CN" altLang="en-US" smtClean="0"/>
               <a:pPr/>
-              <a:t>2018-6-9</a:t>
+              <a:t>2022/1/3</a:t>
             </a:fld>
             <a:endParaRPr lang="zh-CN" altLang="en-US"/>
           </a:p>
@@ -3193,7 +3204,7 @@
             <a:fld id="{895060BE-5323-4ADD-AD19-A99A82CD361D}" type="datetimeFigureOut">
               <a:rPr lang="zh-CN" altLang="en-US" smtClean="0"/>
               <a:pPr/>
-              <a:t>2018-6-9</a:t>
+              <a:t>2022/1/3</a:t>
             </a:fld>
             <a:endParaRPr lang="zh-CN" altLang="en-US"/>
           </a:p>
@@ -3474,7 +3485,7 @@
             <a:fld id="{895060BE-5323-4ADD-AD19-A99A82CD361D}" type="datetimeFigureOut">
               <a:rPr lang="zh-CN" altLang="en-US" smtClean="0"/>
               <a:pPr/>
-              <a:t>2018-6-9</a:t>
+              <a:t>2022/1/3</a:t>
             </a:fld>
             <a:endParaRPr lang="zh-CN" altLang="en-US"/>
           </a:p>
@@ -3719,7 +3730,7 @@
             <a:fld id="{895060BE-5323-4ADD-AD19-A99A82CD361D}" type="datetimeFigureOut">
               <a:rPr lang="zh-CN" altLang="en-US" smtClean="0"/>
               <a:pPr/>
-              <a:t>2018-6-9</a:t>
+              <a:t>2022/1/3</a:t>
             </a:fld>
             <a:endParaRPr lang="zh-CN" altLang="en-US"/>
           </a:p>
@@ -4055,7 +4066,7 @@
             <a:fld id="{895060BE-5323-4ADD-AD19-A99A82CD361D}" type="datetimeFigureOut">
               <a:rPr lang="zh-CN" altLang="en-US" smtClean="0"/>
               <a:pPr/>
-              <a:t>2018-6-9</a:t>
+              <a:t>2022/1/3</a:t>
             </a:fld>
             <a:endParaRPr lang="zh-CN" altLang="en-US"/>
           </a:p>
@@ -4399,7 +4410,7 @@
             <a:fld id="{895060BE-5323-4ADD-AD19-A99A82CD361D}" type="datetimeFigureOut">
               <a:rPr lang="zh-CN" altLang="en-US" smtClean="0"/>
               <a:pPr/>
-              <a:t>2018-6-9</a:t>
+              <a:t>2022/1/3</a:t>
             </a:fld>
             <a:endParaRPr lang="zh-CN" altLang="en-US"/>
           </a:p>
@@ -4770,7 +4781,7 @@
             <a:fld id="{895060BE-5323-4ADD-AD19-A99A82CD361D}" type="datetimeFigureOut">
               <a:rPr lang="zh-CN" altLang="en-US" smtClean="0"/>
               <a:pPr/>
-              <a:t>2018-6-9</a:t>
+              <a:t>2022/1/3</a:t>
             </a:fld>
             <a:endParaRPr lang="zh-CN" altLang="en-US"/>
           </a:p>
@@ -5237,7 +5248,7 @@
             <a:fld id="{895060BE-5323-4ADD-AD19-A99A82CD361D}" type="datetimeFigureOut">
               <a:rPr lang="zh-CN" altLang="en-US" smtClean="0"/>
               <a:pPr/>
-              <a:t>2018-6-9</a:t>
+              <a:t>2022/1/3</a:t>
             </a:fld>
             <a:endParaRPr lang="zh-CN" altLang="en-US"/>
           </a:p>
@@ -5439,7 +5450,7 @@
             <a:fld id="{895060BE-5323-4ADD-AD19-A99A82CD361D}" type="datetimeFigureOut">
               <a:rPr lang="zh-CN" altLang="en-US" smtClean="0"/>
               <a:pPr/>
-              <a:t>2018-6-9</a:t>
+              <a:t>2022/1/3</a:t>
             </a:fld>
             <a:endParaRPr lang="zh-CN" altLang="en-US"/>
           </a:p>
@@ -5647,7 +5658,7 @@
             <a:fld id="{895060BE-5323-4ADD-AD19-A99A82CD361D}" type="datetimeFigureOut">
               <a:rPr lang="zh-CN" altLang="en-US" smtClean="0"/>
               <a:pPr/>
-              <a:t>2018-6-9</a:t>
+              <a:t>2022/1/3</a:t>
             </a:fld>
             <a:endParaRPr lang="zh-CN" altLang="en-US"/>
           </a:p>
@@ -5926,7 +5937,7 @@
             <a:fld id="{895060BE-5323-4ADD-AD19-A99A82CD361D}" type="datetimeFigureOut">
               <a:rPr lang="zh-CN" altLang="en-US" smtClean="0"/>
               <a:pPr/>
-              <a:t>2018-6-9</a:t>
+              <a:t>2022/1/3</a:t>
             </a:fld>
             <a:endParaRPr lang="zh-CN" altLang="en-US"/>
           </a:p>
@@ -6155,7 +6166,7 @@
             <a:fld id="{895060BE-5323-4ADD-AD19-A99A82CD361D}" type="datetimeFigureOut">
               <a:rPr lang="zh-CN" altLang="en-US" smtClean="0"/>
               <a:pPr/>
-              <a:t>2018-6-9</a:t>
+              <a:t>2022/1/3</a:t>
             </a:fld>
             <a:endParaRPr lang="zh-CN" altLang="en-US"/>
           </a:p>
@@ -6499,7 +6510,7 @@
             <a:fld id="{895060BE-5323-4ADD-AD19-A99A82CD361D}" type="datetimeFigureOut">
               <a:rPr lang="zh-CN" altLang="en-US" smtClean="0"/>
               <a:pPr/>
-              <a:t>2018-6-9</a:t>
+              <a:t>2022/1/3</a:t>
             </a:fld>
             <a:endParaRPr lang="zh-CN" altLang="en-US"/>
           </a:p>
@@ -6614,7 +6625,7 @@
             <a:fld id="{895060BE-5323-4ADD-AD19-A99A82CD361D}" type="datetimeFigureOut">
               <a:rPr lang="zh-CN" altLang="en-US" smtClean="0"/>
               <a:pPr/>
-              <a:t>2018-6-9</a:t>
+              <a:t>2022/1/3</a:t>
             </a:fld>
             <a:endParaRPr lang="zh-CN" altLang="en-US"/>
           </a:p>
@@ -6729,7 +6740,7 @@
             <a:fld id="{895060BE-5323-4ADD-AD19-A99A82CD361D}" type="datetimeFigureOut">
               <a:rPr lang="zh-CN" altLang="en-US" smtClean="0"/>
               <a:pPr/>
-              <a:t>2018-6-9</a:t>
+              <a:t>2022/1/3</a:t>
             </a:fld>
             <a:endParaRPr lang="zh-CN" altLang="en-US"/>
           </a:p>
@@ -7010,7 +7021,7 @@
             <a:fld id="{895060BE-5323-4ADD-AD19-A99A82CD361D}" type="datetimeFigureOut">
               <a:rPr lang="zh-CN" altLang="en-US" smtClean="0"/>
               <a:pPr/>
-              <a:t>2018-6-9</a:t>
+              <a:t>2022/1/3</a:t>
             </a:fld>
             <a:endParaRPr lang="zh-CN" altLang="en-US"/>
           </a:p>
@@ -7271,7 +7282,7 @@
             <a:fld id="{895060BE-5323-4ADD-AD19-A99A82CD361D}" type="datetimeFigureOut">
               <a:rPr lang="zh-CN" altLang="en-US" smtClean="0"/>
               <a:pPr/>
-              <a:t>2018-6-9</a:t>
+              <a:t>2022/1/3</a:t>
             </a:fld>
             <a:endParaRPr lang="zh-CN" altLang="en-US"/>
           </a:p>
@@ -7482,7 +7493,7 @@
             <a:fld id="{895060BE-5323-4ADD-AD19-A99A82CD361D}" type="datetimeFigureOut">
               <a:rPr lang="zh-CN" altLang="en-US" smtClean="0"/>
               <a:pPr/>
-              <a:t>2018-6-9</a:t>
+              <a:t>2022/1/3</a:t>
             </a:fld>
             <a:endParaRPr lang="zh-CN" altLang="en-US"/>
           </a:p>
@@ -7903,7 +7914,7 @@
             <a:blip r:embed="rId19">
               <a:extLst>
                 <a:ext uri="{28A0092B-C50C-407E-A947-70E740481C1C}">
-                  <a14:useLocalDpi xmlns:a14="http://schemas.microsoft.com/office/drawing/2010/main" xmlns="" val="0"/>
+                  <a14:useLocalDpi xmlns:a14="http://schemas.microsoft.com/office/drawing/2010/main" val="0"/>
                 </a:ext>
               </a:extLst>
             </a:blip>
@@ -7967,7 +7978,7 @@
             <a:blip r:embed="rId20">
               <a:extLst>
                 <a:ext uri="{28A0092B-C50C-407E-A947-70E740481C1C}">
-                  <a14:useLocalDpi xmlns:a14="http://schemas.microsoft.com/office/drawing/2010/main" xmlns="" val="0"/>
+                  <a14:useLocalDpi xmlns:a14="http://schemas.microsoft.com/office/drawing/2010/main" val="0"/>
                 </a:ext>
               </a:extLst>
             </a:blip>
@@ -7998,7 +8009,7 @@
             <a:blip r:embed="rId20">
               <a:extLst>
                 <a:ext uri="{28A0092B-C50C-407E-A947-70E740481C1C}">
-                  <a14:useLocalDpi xmlns:a14="http://schemas.microsoft.com/office/drawing/2010/main" xmlns="" val="0"/>
+                  <a14:useLocalDpi xmlns:a14="http://schemas.microsoft.com/office/drawing/2010/main" val="0"/>
                 </a:ext>
               </a:extLst>
             </a:blip>
@@ -8150,7 +8161,7 @@
             <a:fld id="{895060BE-5323-4ADD-AD19-A99A82CD361D}" type="datetimeFigureOut">
               <a:rPr lang="zh-CN" altLang="en-US" smtClean="0"/>
               <a:pPr/>
-              <a:t>2018-6-9</a:t>
+              <a:t>2022/1/3</a:t>
             </a:fld>
             <a:endParaRPr lang="zh-CN" altLang="en-US"/>
           </a:p>
@@ -8752,7 +8763,7 @@
         <p:spPr>
           <a:xfrm>
             <a:off x="8584707" y="4687410"/>
-            <a:ext cx="530915" cy="369332"/>
+            <a:ext cx="723275" cy="369332"/>
           </a:xfrm>
           <a:prstGeom prst="rect">
             <a:avLst/>
@@ -8766,11 +8777,12 @@
           <a:lstStyle/>
           <a:p>
             <a:r>
-              <a:rPr lang="en-US" altLang="zh-CN" dirty="0" err="1">
+              <a:rPr lang="en-US" altLang="zh-CN" dirty="0">
                 <a:latin typeface="Bradley Hand ITC" panose="03070402050302030203" pitchFamily="66" charset="0"/>
                 <a:ea typeface="隶书" panose="02010509060101010101" pitchFamily="49" charset="-122"/>
-              </a:rPr>
-              <a:t>mjt</a:t>
+                <a:hlinkClick r:id="rId2"/>
+              </a:rPr>
+              <a:t>hwim</a:t>
             </a:r>
             <a:endParaRPr lang="zh-CN" altLang="en-US" dirty="0">
               <a:latin typeface="Bradley Hand ITC" panose="03070402050302030203" pitchFamily="66" charset="0"/>
@@ -14011,7 +14023,7 @@
           <p:cNvPr id="7" name="图片 6">
             <a:extLst>
               <a:ext uri="{FF2B5EF4-FFF2-40B4-BE49-F238E27FC236}">
-                <a16:creationId xmlns:a16="http://schemas.microsoft.com/office/drawing/2014/main" xmlns="" id="{AA4F771F-805A-4FD8-9118-09DE3E0F5C57}"/>
+                <a16:creationId xmlns:a16="http://schemas.microsoft.com/office/drawing/2014/main" id="{AA4F771F-805A-4FD8-9118-09DE3E0F5C57}"/>
               </a:ext>
             </a:extLst>
           </p:cNvPr>
@@ -15534,7 +15546,7 @@
   <a:extraClrSchemeLst/>
   <a:extLst>
     <a:ext uri="{05A4C25C-085E-4340-85A3-A5531E510DB2}">
-      <thm15:themeFamily xmlns:thm15="http://schemas.microsoft.com/office/thememl/2012/main" xmlns="" name="Office Theme" id="{62F939B6-93AF-4DB8-9C6B-D6C7DFDC589F}" vid="{4A3C46E8-61CC-4603-A589-7422A47A8E4A}"/>
+      <thm15:themeFamily xmlns:thm15="http://schemas.microsoft.com/office/thememl/2012/main" name="Office Theme" id="{62F939B6-93AF-4DB8-9C6B-D6C7DFDC589F}" vid="{4A3C46E8-61CC-4603-A589-7422A47A8E4A}"/>
     </a:ext>
   </a:extLst>
 </a:theme>
@@ -15769,7 +15781,7 @@
   <a:extraClrSchemeLst/>
   <a:extLst>
     <a:ext uri="{05A4C25C-085E-4340-85A3-A5531E510DB2}">
-      <thm15:themeFamily xmlns:thm15="http://schemas.microsoft.com/office/thememl/2012/main" xmlns="" name="Office Theme" id="{62F939B6-93AF-4DB8-9C6B-D6C7DFDC589F}" vid="{4A3C46E8-61CC-4603-A589-7422A47A8E4A}"/>
+      <thm15:themeFamily xmlns:thm15="http://schemas.microsoft.com/office/thememl/2012/main" name="Office Theme" id="{62F939B6-93AF-4DB8-9C6B-D6C7DFDC589F}" vid="{4A3C46E8-61CC-4603-A589-7422A47A8E4A}"/>
     </a:ext>
   </a:extLst>
 </a:theme>
